--- a/presentations/tinyolap_visually.pptx
+++ b/presentations/tinyolap_visually.pptx
@@ -240,7 +240,7 @@
           <a:p>
             <a:fld id="{966D5B4E-BF3E-3B45-A4BA-D6C3B92870D7}" type="datetimeFigureOut">
               <a:rPr lang="en-US" smtClean="0"/>
-              <a:t>10/15/21</a:t>
+              <a:t>3/7/22</a:t>
             </a:fld>
             <a:endParaRPr lang="en-US" dirty="0"/>
           </a:p>
@@ -417,7 +417,7 @@
           <a:p>
             <a:fld id="{F5A8621B-8C8E-49BA-8772-41D0FE75A082}" type="datetimeFigureOut">
               <a:rPr lang="en-US" smtClean="0"/>
-              <a:t>10/15/21</a:t>
+              <a:t>3/7/22</a:t>
             </a:fld>
             <a:endParaRPr lang="en-US" dirty="0"/>
           </a:p>
@@ -682,6 +682,90 @@
     </a:lvl9pPr>
   </p:notesStyle>
 </p:notesMaster>
+</file>
+
+<file path=ppt/notesSlides/notesSlide1.xml><?xml version="1.0" encoding="utf-8"?>
+<p:notes xmlns:a="http://schemas.openxmlformats.org/drawingml/2006/main" xmlns:r="http://schemas.openxmlformats.org/officeDocument/2006/relationships" xmlns:p="http://schemas.openxmlformats.org/presentationml/2006/main">
+  <p:cSld>
+    <p:spTree>
+      <p:nvGrpSpPr>
+        <p:cNvPr id="1" name=""/>
+        <p:cNvGrpSpPr/>
+        <p:nvPr/>
+      </p:nvGrpSpPr>
+      <p:grpSpPr>
+        <a:xfrm>
+          <a:off x="0" y="0"/>
+          <a:ext cx="0" cy="0"/>
+          <a:chOff x="0" y="0"/>
+          <a:chExt cx="0" cy="0"/>
+        </a:xfrm>
+      </p:grpSpPr>
+      <p:sp>
+        <p:nvSpPr>
+          <p:cNvPr id="2" name="Slide Image Placeholder 1"/>
+          <p:cNvSpPr>
+            <a:spLocks noGrp="1" noRot="1" noChangeAspect="1"/>
+          </p:cNvSpPr>
+          <p:nvPr>
+            <p:ph type="sldImg"/>
+          </p:nvPr>
+        </p:nvSpPr>
+        <p:spPr/>
+      </p:sp>
+      <p:sp>
+        <p:nvSpPr>
+          <p:cNvPr id="3" name="Notes Placeholder 2"/>
+          <p:cNvSpPr>
+            <a:spLocks noGrp="1"/>
+          </p:cNvSpPr>
+          <p:nvPr>
+            <p:ph type="body" idx="1"/>
+          </p:nvPr>
+        </p:nvSpPr>
+        <p:spPr/>
+        <p:txBody>
+          <a:bodyPr/>
+          <a:lstStyle/>
+          <a:p>
+            <a:endParaRPr lang="en-US" dirty="0"/>
+          </a:p>
+        </p:txBody>
+      </p:sp>
+      <p:sp>
+        <p:nvSpPr>
+          <p:cNvPr id="4" name="Slide Number Placeholder 3"/>
+          <p:cNvSpPr>
+            <a:spLocks noGrp="1"/>
+          </p:cNvSpPr>
+          <p:nvPr>
+            <p:ph type="sldNum" sz="quarter" idx="5"/>
+          </p:nvPr>
+        </p:nvSpPr>
+        <p:spPr/>
+        <p:txBody>
+          <a:bodyPr/>
+          <a:lstStyle/>
+          <a:p>
+            <a:fld id="{228B34ED-4CDD-41C9-90F7-D768D5559A6F}" type="slidenum">
+              <a:rPr lang="en-US" smtClean="0"/>
+              <a:t>3</a:t>
+            </a:fld>
+            <a:endParaRPr lang="en-US" dirty="0"/>
+          </a:p>
+        </p:txBody>
+      </p:sp>
+    </p:spTree>
+    <p:extLst>
+      <p:ext uri="{BB962C8B-B14F-4D97-AF65-F5344CB8AC3E}">
+        <p14:creationId xmlns:p14="http://schemas.microsoft.com/office/powerpoint/2010/main" val="2835433915"/>
+      </p:ext>
+    </p:extLst>
+  </p:cSld>
+  <p:clrMapOvr>
+    <a:masterClrMapping/>
+  </p:clrMapOvr>
+</p:notes>
 </file>
 
 <file path=ppt/slideLayouts/slideLayout1.xml><?xml version="1.0" encoding="utf-8"?>
@@ -5371,7 +5455,7 @@
         <p:spPr>
           <a:xfrm>
             <a:off x="425416" y="1595190"/>
-            <a:ext cx="5365636" cy="2039144"/>
+            <a:ext cx="6275536" cy="2039144"/>
           </a:xfrm>
         </p:spPr>
         <p:txBody>
@@ -5388,12 +5472,20 @@
               <a:buChar char="§"/>
             </a:pPr>
             <a:r>
-              <a:rPr lang="en-US" sz="2000" dirty="0">
+              <a:rPr lang="en-US" sz="1800" dirty="0">
                 <a:solidFill>
                   <a:schemeClr val="tx1"/>
                 </a:solidFill>
               </a:rPr>
-              <a:t>Reports haven’t evolved over the last decade.</a:t>
+              <a:t>Reports haven’t evolved over the last decade. </a:t>
+            </a:r>
+            <a:r>
+              <a:rPr lang="en-US" sz="1800" b="1" dirty="0">
+                <a:solidFill>
+                  <a:schemeClr val="tx1"/>
+                </a:solidFill>
+              </a:rPr>
+              <a:t>Nothing New!</a:t>
             </a:r>
           </a:p>
           <a:p>
@@ -5405,10 +5497,10 @@
               <a:buChar char="§"/>
             </a:pPr>
             <a:r>
-              <a:rPr lang="en-US" sz="2000" dirty="0"/>
-              <a:t>Reason: visually, there is not much that you can change or can do dramatically better. </a:t>
-            </a:r>
-            <a:endParaRPr lang="en-US" sz="2000" dirty="0">
+              <a:rPr lang="en-US" sz="1800" dirty="0"/>
+              <a:t>Reason: visually, there is not much that you can change or that can be done dramatically better. </a:t>
+            </a:r>
+            <a:endParaRPr lang="en-US" sz="1800" dirty="0">
               <a:solidFill>
                 <a:schemeClr val="tx1"/>
               </a:solidFill>
@@ -5727,7 +5819,7 @@
         <p:spPr>
           <a:xfrm>
             <a:off x="425416" y="1595190"/>
-            <a:ext cx="5365636" cy="2039144"/>
+            <a:ext cx="5346734" cy="2039144"/>
           </a:xfrm>
         </p:spPr>
         <p:txBody>
@@ -5749,7 +5841,22 @@
                   <a:schemeClr val="tx1"/>
                 </a:solidFill>
               </a:rPr>
-              <a:t>Basic requirements:</a:t>
+              <a:t>Basic requirements for a modern </a:t>
+            </a:r>
+            <a:br>
+              <a:rPr lang="en-US" sz="2000" dirty="0">
+                <a:solidFill>
+                  <a:schemeClr val="tx1"/>
+                </a:solidFill>
+              </a:rPr>
+            </a:br>
+            <a:r>
+              <a:rPr lang="en-US" sz="2000" dirty="0">
+                <a:solidFill>
+                  <a:schemeClr val="tx1"/>
+                </a:solidFill>
+              </a:rPr>
+              <a:t>spreadsheet component:</a:t>
             </a:r>
             <a:endParaRPr lang="en-US" sz="2000" dirty="0"/>
           </a:p>
@@ -5776,7 +5883,7 @@
             </a:pPr>
             <a:r>
               <a:rPr lang="en-US" sz="1800" dirty="0"/>
-              <a:t>Smooth anything. </a:t>
+              <a:t>Smooth and sexy anything. </a:t>
             </a:r>
             <a:br>
               <a:rPr lang="en-US" sz="1800" dirty="0"/>
@@ -5796,7 +5903,7 @@
             </a:pPr>
             <a:r>
               <a:rPr lang="en-US" sz="1800" dirty="0"/>
-              <a:t>Cell based navigation on PC, finger on mobile.</a:t>
+              <a:t>Cell based navigation, cursor on PC, finger on mobile devices.</a:t>
             </a:r>
           </a:p>
           <a:p>
@@ -5826,7 +5933,7 @@
                   <a:schemeClr val="tx1"/>
                 </a:solidFill>
               </a:rPr>
-              <a:t>Fixed rows and columns</a:t>
+              <a:t>Fixed rows and columns (freeze panes in Excel)</a:t>
             </a:r>
           </a:p>
           <a:p>
@@ -5839,7 +5946,7 @@
             </a:pPr>
             <a:r>
               <a:rPr lang="en-US" sz="1800" dirty="0"/>
-              <a:t>Styles and stylesheets for adaptability</a:t>
+              <a:t>Styles and stylesheets for easy adaptability</a:t>
             </a:r>
           </a:p>
           <a:p>
@@ -5859,7 +5966,7 @@
             </a:br>
             <a:r>
               <a:rPr lang="en-US" sz="1800" dirty="0"/>
-              <a:t>They growing in importance, size and resolution</a:t>
+              <a:t>These growing in importance, size and resolution</a:t>
             </a:r>
           </a:p>
           <a:p>
@@ -5872,14 +5979,7 @@
             </a:pPr>
             <a:r>
               <a:rPr lang="en-US" sz="1800" dirty="0"/>
-              <a:t>Instant refresh, if applicable.</a:t>
-            </a:r>
-            <a:br>
-              <a:rPr lang="en-US" sz="1800" dirty="0"/>
-            </a:br>
-            <a:r>
-              <a:rPr lang="en-US" sz="1800" dirty="0"/>
-              <a:t>Meaning: Always try it, otherwise forget about it. Visually indicate refresh (e.g. after 500ms)</a:t>
+              <a:t>Realtime updates (max. refresh cycle 500ms)</a:t>
             </a:r>
           </a:p>
           <a:p>
@@ -5962,7 +6062,7 @@
           <p:nvPr/>
         </p:nvPicPr>
         <p:blipFill rotWithShape="1">
-          <a:blip r:embed="rId2">
+          <a:blip r:embed="rId3">
             <a:extLst>
               <a:ext uri="{28A0092B-C50C-407E-A947-70E740481C1C}">
                 <a14:useLocalDpi xmlns:a14="http://schemas.microsoft.com/office/drawing/2010/main" val="0"/>
@@ -6153,7 +6253,7 @@
                   <a:schemeClr val="tx1"/>
                 </a:solidFill>
               </a:rPr>
-              <a:t>So, if we can innovate how reports look like,</a:t>
+              <a:t>So, if we can not innovate how reports look like,</a:t>
             </a:r>
             <a:br>
               <a:rPr lang="en-US" sz="2000" dirty="0"/>
@@ -6168,11 +6268,11 @@
                   <a:srgbClr val="424EDE"/>
                 </a:solidFill>
               </a:rPr>
-              <a:t>change how reports behave</a:t>
+              <a:t>innovate how reports behave</a:t>
             </a:r>
             <a:r>
               <a:rPr lang="en-US" sz="2000" dirty="0"/>
-              <a:t>.</a:t>
+              <a:t>!</a:t>
             </a:r>
           </a:p>
           <a:p>
@@ -6197,7 +6297,7 @@
             </a:r>
             <a:r>
               <a:rPr lang="en-US" sz="2000" dirty="0"/>
-              <a:t>% mouse ready.</a:t>
+              <a:t>% mouse &amp; keyboard ready.</a:t>
             </a:r>
           </a:p>
           <a:p>
@@ -6269,7 +6369,7 @@
                   <a:srgbClr val="424EDE"/>
                 </a:solidFill>
               </a:rPr>
-              <a:t>2x tap or 2x click to take action!</a:t>
+              <a:t>2x tap or 2x click to take an action!</a:t>
             </a:r>
           </a:p>
           <a:p>
@@ -6689,7 +6789,7 @@
             </a:pPr>
             <a:r>
               <a:rPr lang="en-US" sz="2000" dirty="0"/>
-              <a:t>Reset a changed report? Shake your mobile phone or your mouse.</a:t>
+              <a:t>Reset a changed report? Shake your mobile phone or your mouse. </a:t>
             </a:r>
           </a:p>
           <a:p>
@@ -9113,6 +9213,15 @@
 </file>
 
 <file path=customXml/item1.xml><?xml version="1.0" encoding="utf-8"?>
+<p:properties xmlns:p="http://schemas.microsoft.com/office/2006/metadata/properties" xmlns:xsi="http://www.w3.org/2001/XMLSchema-instance" xmlns:pc="http://schemas.microsoft.com/office/infopath/2007/PartnerControls">
+  <documentManagement>
+    <Status xmlns="71af3243-3dd4-4a8d-8c0d-dd76da1f02a5">Not started</Status>
+    <MediaServiceKeyPoints xmlns="71af3243-3dd4-4a8d-8c0d-dd76da1f02a5" xsi:nil="true"/>
+  </documentManagement>
+</p:properties>
+</file>
+
+<file path=customXml/item2.xml><?xml version="1.0" encoding="utf-8"?>
 <ct:contentTypeSchema xmlns:ct="http://schemas.microsoft.com/office/2006/metadata/contentType" xmlns:ma="http://schemas.microsoft.com/office/2006/metadata/properties/metaAttributes" ct:_="" ma:_="" ma:contentTypeName="Document" ma:contentTypeID="0x01010079F111ED35F8CC479449609E8A0923A6" ma:contentTypeVersion="12" ma:contentTypeDescription="Create a new document." ma:contentTypeScope="" ma:versionID="426e97fa315356fffbdcd9876fe988c2">
   <xsd:schema xmlns:xsd="http://www.w3.org/2001/XMLSchema" xmlns:xs="http://www.w3.org/2001/XMLSchema" xmlns:p="http://schemas.microsoft.com/office/2006/metadata/properties" xmlns:ns2="71af3243-3dd4-4a8d-8c0d-dd76da1f02a5" xmlns:ns3="16c05727-aa75-4e4a-9b5f-8a80a1165891" targetNamespace="http://schemas.microsoft.com/office/2006/metadata/properties" ma:root="true" ma:fieldsID="14b8f0def80e6d70ce3def20c90759ae" ns2:_="" ns3:_="">
     <xsd:import namespace="71af3243-3dd4-4a8d-8c0d-dd76da1f02a5"/>
@@ -9333,15 +9442,6 @@
 </ct:contentTypeSchema>
 </file>
 
-<file path=customXml/item2.xml><?xml version="1.0" encoding="utf-8"?>
-<p:properties xmlns:p="http://schemas.microsoft.com/office/2006/metadata/properties" xmlns:xsi="http://www.w3.org/2001/XMLSchema-instance" xmlns:pc="http://schemas.microsoft.com/office/infopath/2007/PartnerControls">
-  <documentManagement>
-    <Status xmlns="71af3243-3dd4-4a8d-8c0d-dd76da1f02a5">Not started</Status>
-    <MediaServiceKeyPoints xmlns="71af3243-3dd4-4a8d-8c0d-dd76da1f02a5" xsi:nil="true"/>
-  </documentManagement>
-</p:properties>
-</file>
-
 <file path=customXml/item3.xml><?xml version="1.0" encoding="utf-8"?>
 <?mso-contentType ?>
 <FormTemplates xmlns="http://schemas.microsoft.com/sharepoint/v3/contenttype/forms">
@@ -9352,6 +9452,16 @@
 </file>
 
 <file path=customXml/itemProps1.xml><?xml version="1.0" encoding="utf-8"?>
+<ds:datastoreItem xmlns:ds="http://schemas.openxmlformats.org/officeDocument/2006/customXml" ds:itemID="{E3D9F223-918A-45AF-9B53-56AB9E5E2182}">
+  <ds:schemaRefs>
+    <ds:schemaRef ds:uri="http://schemas.microsoft.com/office/2006/metadata/properties"/>
+    <ds:schemaRef ds:uri="http://schemas.microsoft.com/office/infopath/2007/PartnerControls"/>
+    <ds:schemaRef ds:uri="71af3243-3dd4-4a8d-8c0d-dd76da1f02a5"/>
+  </ds:schemaRefs>
+</ds:datastoreItem>
+</file>
+
+<file path=customXml/itemProps2.xml><?xml version="1.0" encoding="utf-8"?>
 <ds:datastoreItem xmlns:ds="http://schemas.openxmlformats.org/officeDocument/2006/customXml" ds:itemID="{55BB9993-D5F9-46FA-B2E5-80E3632E9820}">
   <ds:schemaRefs>
     <ds:schemaRef ds:uri="http://schemas.microsoft.com/office/2006/metadata/contentType"/>
@@ -9370,16 +9480,6 @@
 </ds:datastoreItem>
 </file>
 
-<file path=customXml/itemProps2.xml><?xml version="1.0" encoding="utf-8"?>
-<ds:datastoreItem xmlns:ds="http://schemas.openxmlformats.org/officeDocument/2006/customXml" ds:itemID="{E3D9F223-918A-45AF-9B53-56AB9E5E2182}">
-  <ds:schemaRefs>
-    <ds:schemaRef ds:uri="http://schemas.microsoft.com/office/2006/metadata/properties"/>
-    <ds:schemaRef ds:uri="http://schemas.microsoft.com/office/infopath/2007/PartnerControls"/>
-    <ds:schemaRef ds:uri="71af3243-3dd4-4a8d-8c0d-dd76da1f02a5"/>
-  </ds:schemaRefs>
-</ds:datastoreItem>
-</file>
-
 <file path=customXml/itemProps3.xml><?xml version="1.0" encoding="utf-8"?>
 <ds:datastoreItem xmlns:ds="http://schemas.openxmlformats.org/officeDocument/2006/customXml" ds:itemID="{1B7E2D32-4FDD-4266-880C-17595B801432}">
   <ds:schemaRefs>
